--- a/20509_박재현.pptx
+++ b/20509_박재현.pptx
@@ -4,6 +4,9 @@
   <p:sldMasterIdLst>
     <p:sldMasterId id="2147483648" r:id="rId1"/>
   </p:sldMasterIdLst>
+  <p:notesMasterIdLst>
+    <p:notesMasterId r:id="rId16"/>
+  </p:notesMasterIdLst>
   <p:sldIdLst>
     <p:sldId id="256" r:id="rId2"/>
     <p:sldId id="258" r:id="rId3"/>
@@ -24,14 +27,14 @@
   <p:notesSz cx="6858000" cy="9144000"/>
   <p:embeddedFontLst>
     <p:embeddedFont>
-      <p:font typeface="맑은 고딕" panose="020B0503020000020004" pitchFamily="50" charset="-127"/>
-      <p:regular r:id="rId16"/>
-      <p:bold r:id="rId17"/>
+      <p:font typeface="나눔고딕" panose="020D0604000000000000" pitchFamily="50" charset="-127"/>
+      <p:regular r:id="rId17"/>
+      <p:bold r:id="rId18"/>
     </p:embeddedFont>
     <p:embeddedFont>
-      <p:font typeface="나눔고딕" panose="020D0604000000000000" pitchFamily="50" charset="-127"/>
-      <p:regular r:id="rId18"/>
-      <p:bold r:id="rId19"/>
+      <p:font typeface="맑은 고딕" panose="020B0503020000020004" pitchFamily="50" charset="-127"/>
+      <p:regular r:id="rId19"/>
+      <p:bold r:id="rId20"/>
     </p:embeddedFont>
   </p:embeddedFontLst>
   <p:defaultTextStyle>
@@ -129,7 +132,1892 @@
       </a:defRPr>
     </a:lvl9pPr>
   </p:defaultTextStyle>
+  <p:extLst>
+    <p:ext uri="{EFAFB233-063F-42B5-8137-9DF3F51BA10A}">
+      <p15:sldGuideLst xmlns:p15="http://schemas.microsoft.com/office/powerpoint/2012/main"/>
+    </p:ext>
+  </p:extLst>
 </p:presentation>
+</file>
+
+<file path=ppt/notesMasters/notesMaster1.xml><?xml version="1.0" encoding="utf-8"?>
+<p:notesMaster xmlns:a="http://schemas.openxmlformats.org/drawingml/2006/main" xmlns:r="http://schemas.openxmlformats.org/officeDocument/2006/relationships" xmlns:p="http://schemas.openxmlformats.org/presentationml/2006/main">
+  <p:cSld>
+    <p:bg>
+      <p:bgRef idx="1001">
+        <a:schemeClr val="bg1"/>
+      </p:bgRef>
+    </p:bg>
+    <p:spTree>
+      <p:nvGrpSpPr>
+        <p:cNvPr id="1" name=""/>
+        <p:cNvGrpSpPr/>
+        <p:nvPr/>
+      </p:nvGrpSpPr>
+      <p:grpSpPr>
+        <a:xfrm>
+          <a:off x="0" y="0"/>
+          <a:ext cx="0" cy="0"/>
+          <a:chOff x="0" y="0"/>
+          <a:chExt cx="0" cy="0"/>
+        </a:xfrm>
+      </p:grpSpPr>
+      <p:sp>
+        <p:nvSpPr>
+          <p:cNvPr id="2" name="머리글 개체 틀 1"/>
+          <p:cNvSpPr>
+            <a:spLocks noGrp="1"/>
+          </p:cNvSpPr>
+          <p:nvPr>
+            <p:ph type="hdr" sz="quarter"/>
+          </p:nvPr>
+        </p:nvSpPr>
+        <p:spPr>
+          <a:xfrm>
+            <a:off x="0" y="0"/>
+            <a:ext cx="2971800" cy="458788"/>
+          </a:xfrm>
+          <a:prstGeom prst="rect">
+            <a:avLst/>
+          </a:prstGeom>
+        </p:spPr>
+        <p:txBody>
+          <a:bodyPr vert="horz" lIns="91440" tIns="45720" rIns="91440" bIns="45720" rtlCol="0"/>
+          <a:lstStyle>
+            <a:lvl1pPr algn="l">
+              <a:defRPr sz="1200"/>
+            </a:lvl1pPr>
+          </a:lstStyle>
+          <a:p>
+            <a:endParaRPr lang="ko-KR" altLang="en-US"/>
+          </a:p>
+        </p:txBody>
+      </p:sp>
+      <p:sp>
+        <p:nvSpPr>
+          <p:cNvPr id="3" name="날짜 개체 틀 2"/>
+          <p:cNvSpPr>
+            <a:spLocks noGrp="1"/>
+          </p:cNvSpPr>
+          <p:nvPr>
+            <p:ph type="dt" idx="1"/>
+          </p:nvPr>
+        </p:nvSpPr>
+        <p:spPr>
+          <a:xfrm>
+            <a:off x="3884613" y="0"/>
+            <a:ext cx="2971800" cy="458788"/>
+          </a:xfrm>
+          <a:prstGeom prst="rect">
+            <a:avLst/>
+          </a:prstGeom>
+        </p:spPr>
+        <p:txBody>
+          <a:bodyPr vert="horz" lIns="91440" tIns="45720" rIns="91440" bIns="45720" rtlCol="0"/>
+          <a:lstStyle>
+            <a:lvl1pPr algn="r">
+              <a:defRPr sz="1200"/>
+            </a:lvl1pPr>
+          </a:lstStyle>
+          <a:p>
+            <a:fld id="{3F398E0B-6742-436E-89AC-EAA8B533E6F1}" type="datetimeFigureOut">
+              <a:rPr lang="ko-KR" altLang="en-US" smtClean="0"/>
+              <a:t>2016-08-23</a:t>
+            </a:fld>
+            <a:endParaRPr lang="ko-KR" altLang="en-US"/>
+          </a:p>
+        </p:txBody>
+      </p:sp>
+      <p:sp>
+        <p:nvSpPr>
+          <p:cNvPr id="4" name="슬라이드 이미지 개체 틀 3"/>
+          <p:cNvSpPr>
+            <a:spLocks noGrp="1" noRot="1" noChangeAspect="1"/>
+          </p:cNvSpPr>
+          <p:nvPr>
+            <p:ph type="sldImg" idx="2"/>
+          </p:nvPr>
+        </p:nvSpPr>
+        <p:spPr>
+          <a:xfrm>
+            <a:off x="685800" y="1143000"/>
+            <a:ext cx="5486400" cy="3086100"/>
+          </a:xfrm>
+          <a:prstGeom prst="rect">
+            <a:avLst/>
+          </a:prstGeom>
+          <a:noFill/>
+          <a:ln w="12700">
+            <a:solidFill>
+              <a:prstClr val="black"/>
+            </a:solidFill>
+          </a:ln>
+        </p:spPr>
+        <p:txBody>
+          <a:bodyPr vert="horz" lIns="91440" tIns="45720" rIns="91440" bIns="45720" rtlCol="0" anchor="ctr"/>
+          <a:lstStyle/>
+          <a:p>
+            <a:endParaRPr lang="ko-KR" altLang="en-US"/>
+          </a:p>
+        </p:txBody>
+      </p:sp>
+      <p:sp>
+        <p:nvSpPr>
+          <p:cNvPr id="5" name="슬라이드 노트 개체 틀 4"/>
+          <p:cNvSpPr>
+            <a:spLocks noGrp="1"/>
+          </p:cNvSpPr>
+          <p:nvPr>
+            <p:ph type="body" sz="quarter" idx="3"/>
+          </p:nvPr>
+        </p:nvSpPr>
+        <p:spPr>
+          <a:xfrm>
+            <a:off x="685800" y="4400550"/>
+            <a:ext cx="5486400" cy="3600450"/>
+          </a:xfrm>
+          <a:prstGeom prst="rect">
+            <a:avLst/>
+          </a:prstGeom>
+        </p:spPr>
+        <p:txBody>
+          <a:bodyPr vert="horz" lIns="91440" tIns="45720" rIns="91440" bIns="45720" rtlCol="0"/>
+          <a:lstStyle/>
+          <a:p>
+            <a:pPr lvl="0"/>
+            <a:r>
+              <a:rPr lang="ko-KR" altLang="en-US" smtClean="0"/>
+              <a:t>마스터 텍스트 스타일을 편집합니다</a:t>
+            </a:r>
+          </a:p>
+          <a:p>
+            <a:pPr lvl="1"/>
+            <a:r>
+              <a:rPr lang="ko-KR" altLang="en-US" smtClean="0"/>
+              <a:t>둘째 수준</a:t>
+            </a:r>
+          </a:p>
+          <a:p>
+            <a:pPr lvl="2"/>
+            <a:r>
+              <a:rPr lang="ko-KR" altLang="en-US" smtClean="0"/>
+              <a:t>셋째 수준</a:t>
+            </a:r>
+          </a:p>
+          <a:p>
+            <a:pPr lvl="3"/>
+            <a:r>
+              <a:rPr lang="ko-KR" altLang="en-US" smtClean="0"/>
+              <a:t>넷째 수준</a:t>
+            </a:r>
+          </a:p>
+          <a:p>
+            <a:pPr lvl="4"/>
+            <a:r>
+              <a:rPr lang="ko-KR" altLang="en-US" smtClean="0"/>
+              <a:t>다섯째 수준</a:t>
+            </a:r>
+            <a:endParaRPr lang="ko-KR" altLang="en-US"/>
+          </a:p>
+        </p:txBody>
+      </p:sp>
+      <p:sp>
+        <p:nvSpPr>
+          <p:cNvPr id="6" name="바닥글 개체 틀 5"/>
+          <p:cNvSpPr>
+            <a:spLocks noGrp="1"/>
+          </p:cNvSpPr>
+          <p:nvPr>
+            <p:ph type="ftr" sz="quarter" idx="4"/>
+          </p:nvPr>
+        </p:nvSpPr>
+        <p:spPr>
+          <a:xfrm>
+            <a:off x="0" y="8685213"/>
+            <a:ext cx="2971800" cy="458787"/>
+          </a:xfrm>
+          <a:prstGeom prst="rect">
+            <a:avLst/>
+          </a:prstGeom>
+        </p:spPr>
+        <p:txBody>
+          <a:bodyPr vert="horz" lIns="91440" tIns="45720" rIns="91440" bIns="45720" rtlCol="0" anchor="b"/>
+          <a:lstStyle>
+            <a:lvl1pPr algn="l">
+              <a:defRPr sz="1200"/>
+            </a:lvl1pPr>
+          </a:lstStyle>
+          <a:p>
+            <a:endParaRPr lang="ko-KR" altLang="en-US"/>
+          </a:p>
+        </p:txBody>
+      </p:sp>
+      <p:sp>
+        <p:nvSpPr>
+          <p:cNvPr id="7" name="슬라이드 번호 개체 틀 6"/>
+          <p:cNvSpPr>
+            <a:spLocks noGrp="1"/>
+          </p:cNvSpPr>
+          <p:nvPr>
+            <p:ph type="sldNum" sz="quarter" idx="5"/>
+          </p:nvPr>
+        </p:nvSpPr>
+        <p:spPr>
+          <a:xfrm>
+            <a:off x="3884613" y="8685213"/>
+            <a:ext cx="2971800" cy="458787"/>
+          </a:xfrm>
+          <a:prstGeom prst="rect">
+            <a:avLst/>
+          </a:prstGeom>
+        </p:spPr>
+        <p:txBody>
+          <a:bodyPr vert="horz" lIns="91440" tIns="45720" rIns="91440" bIns="45720" rtlCol="0" anchor="b"/>
+          <a:lstStyle>
+            <a:lvl1pPr algn="r">
+              <a:defRPr sz="1200"/>
+            </a:lvl1pPr>
+          </a:lstStyle>
+          <a:p>
+            <a:fld id="{F6DF8C72-BA44-47CE-A93B-2593D5A8EC4E}" type="slidenum">
+              <a:rPr lang="ko-KR" altLang="en-US" smtClean="0"/>
+              <a:t>‹#›</a:t>
+            </a:fld>
+            <a:endParaRPr lang="ko-KR" altLang="en-US"/>
+          </a:p>
+        </p:txBody>
+      </p:sp>
+    </p:spTree>
+    <p:extLst>
+      <p:ext uri="{BB962C8B-B14F-4D97-AF65-F5344CB8AC3E}">
+        <p14:creationId xmlns:p14="http://schemas.microsoft.com/office/powerpoint/2010/main" val="2839964645"/>
+      </p:ext>
+    </p:extLst>
+  </p:cSld>
+  <p:clrMap bg1="lt1" tx1="dk1" bg2="lt2" tx2="dk2" accent1="accent1" accent2="accent2" accent3="accent3" accent4="accent4" accent5="accent5" accent6="accent6" hlink="hlink" folHlink="folHlink"/>
+  <p:notesStyle>
+    <a:lvl1pPr marL="0" algn="l" defTabSz="914400" rtl="0" eaLnBrk="1" latinLnBrk="1" hangingPunct="1">
+      <a:defRPr sz="1200" kern="1200">
+        <a:solidFill>
+          <a:schemeClr val="tx1"/>
+        </a:solidFill>
+        <a:latin typeface="+mn-lt"/>
+        <a:ea typeface="+mn-ea"/>
+        <a:cs typeface="+mn-cs"/>
+      </a:defRPr>
+    </a:lvl1pPr>
+    <a:lvl2pPr marL="457200" algn="l" defTabSz="914400" rtl="0" eaLnBrk="1" latinLnBrk="1" hangingPunct="1">
+      <a:defRPr sz="1200" kern="1200">
+        <a:solidFill>
+          <a:schemeClr val="tx1"/>
+        </a:solidFill>
+        <a:latin typeface="+mn-lt"/>
+        <a:ea typeface="+mn-ea"/>
+        <a:cs typeface="+mn-cs"/>
+      </a:defRPr>
+    </a:lvl2pPr>
+    <a:lvl3pPr marL="914400" algn="l" defTabSz="914400" rtl="0" eaLnBrk="1" latinLnBrk="1" hangingPunct="1">
+      <a:defRPr sz="1200" kern="1200">
+        <a:solidFill>
+          <a:schemeClr val="tx1"/>
+        </a:solidFill>
+        <a:latin typeface="+mn-lt"/>
+        <a:ea typeface="+mn-ea"/>
+        <a:cs typeface="+mn-cs"/>
+      </a:defRPr>
+    </a:lvl3pPr>
+    <a:lvl4pPr marL="1371600" algn="l" defTabSz="914400" rtl="0" eaLnBrk="1" latinLnBrk="1" hangingPunct="1">
+      <a:defRPr sz="1200" kern="1200">
+        <a:solidFill>
+          <a:schemeClr val="tx1"/>
+        </a:solidFill>
+        <a:latin typeface="+mn-lt"/>
+        <a:ea typeface="+mn-ea"/>
+        <a:cs typeface="+mn-cs"/>
+      </a:defRPr>
+    </a:lvl4pPr>
+    <a:lvl5pPr marL="1828800" algn="l" defTabSz="914400" rtl="0" eaLnBrk="1" latinLnBrk="1" hangingPunct="1">
+      <a:defRPr sz="1200" kern="1200">
+        <a:solidFill>
+          <a:schemeClr val="tx1"/>
+        </a:solidFill>
+        <a:latin typeface="+mn-lt"/>
+        <a:ea typeface="+mn-ea"/>
+        <a:cs typeface="+mn-cs"/>
+      </a:defRPr>
+    </a:lvl5pPr>
+    <a:lvl6pPr marL="2286000" algn="l" defTabSz="914400" rtl="0" eaLnBrk="1" latinLnBrk="1" hangingPunct="1">
+      <a:defRPr sz="1200" kern="1200">
+        <a:solidFill>
+          <a:schemeClr val="tx1"/>
+        </a:solidFill>
+        <a:latin typeface="+mn-lt"/>
+        <a:ea typeface="+mn-ea"/>
+        <a:cs typeface="+mn-cs"/>
+      </a:defRPr>
+    </a:lvl6pPr>
+    <a:lvl7pPr marL="2743200" algn="l" defTabSz="914400" rtl="0" eaLnBrk="1" latinLnBrk="1" hangingPunct="1">
+      <a:defRPr sz="1200" kern="1200">
+        <a:solidFill>
+          <a:schemeClr val="tx1"/>
+        </a:solidFill>
+        <a:latin typeface="+mn-lt"/>
+        <a:ea typeface="+mn-ea"/>
+        <a:cs typeface="+mn-cs"/>
+      </a:defRPr>
+    </a:lvl7pPr>
+    <a:lvl8pPr marL="3200400" algn="l" defTabSz="914400" rtl="0" eaLnBrk="1" latinLnBrk="1" hangingPunct="1">
+      <a:defRPr sz="1200" kern="1200">
+        <a:solidFill>
+          <a:schemeClr val="tx1"/>
+        </a:solidFill>
+        <a:latin typeface="+mn-lt"/>
+        <a:ea typeface="+mn-ea"/>
+        <a:cs typeface="+mn-cs"/>
+      </a:defRPr>
+    </a:lvl8pPr>
+    <a:lvl9pPr marL="3657600" algn="l" defTabSz="914400" rtl="0" eaLnBrk="1" latinLnBrk="1" hangingPunct="1">
+      <a:defRPr sz="1200" kern="1200">
+        <a:solidFill>
+          <a:schemeClr val="tx1"/>
+        </a:solidFill>
+        <a:latin typeface="+mn-lt"/>
+        <a:ea typeface="+mn-ea"/>
+        <a:cs typeface="+mn-cs"/>
+      </a:defRPr>
+    </a:lvl9pPr>
+  </p:notesStyle>
+</p:notesMaster>
+</file>
+
+<file path=ppt/notesSlides/notesSlide1.xml><?xml version="1.0" encoding="utf-8"?>
+<p:notes xmlns:a="http://schemas.openxmlformats.org/drawingml/2006/main" xmlns:r="http://schemas.openxmlformats.org/officeDocument/2006/relationships" xmlns:p="http://schemas.openxmlformats.org/presentationml/2006/main">
+  <p:cSld>
+    <p:spTree>
+      <p:nvGrpSpPr>
+        <p:cNvPr id="1" name=""/>
+        <p:cNvGrpSpPr/>
+        <p:nvPr/>
+      </p:nvGrpSpPr>
+      <p:grpSpPr>
+        <a:xfrm>
+          <a:off x="0" y="0"/>
+          <a:ext cx="0" cy="0"/>
+          <a:chOff x="0" y="0"/>
+          <a:chExt cx="0" cy="0"/>
+        </a:xfrm>
+      </p:grpSpPr>
+      <p:sp>
+        <p:nvSpPr>
+          <p:cNvPr id="2" name="슬라이드 이미지 개체 틀 1"/>
+          <p:cNvSpPr>
+            <a:spLocks noGrp="1" noRot="1" noChangeAspect="1"/>
+          </p:cNvSpPr>
+          <p:nvPr>
+            <p:ph type="sldImg"/>
+          </p:nvPr>
+        </p:nvSpPr>
+        <p:spPr/>
+      </p:sp>
+      <p:sp>
+        <p:nvSpPr>
+          <p:cNvPr id="3" name="슬라이드 노트 개체 틀 2"/>
+          <p:cNvSpPr>
+            <a:spLocks noGrp="1"/>
+          </p:cNvSpPr>
+          <p:nvPr>
+            <p:ph type="body" idx="1"/>
+          </p:nvPr>
+        </p:nvSpPr>
+        <p:spPr/>
+        <p:txBody>
+          <a:bodyPr/>
+          <a:lstStyle/>
+          <a:p>
+            <a:endParaRPr lang="ko-KR" altLang="en-US" dirty="0"/>
+          </a:p>
+        </p:txBody>
+      </p:sp>
+      <p:sp>
+        <p:nvSpPr>
+          <p:cNvPr id="4" name="슬라이드 번호 개체 틀 3"/>
+          <p:cNvSpPr>
+            <a:spLocks noGrp="1"/>
+          </p:cNvSpPr>
+          <p:nvPr>
+            <p:ph type="sldNum" sz="quarter" idx="10"/>
+          </p:nvPr>
+        </p:nvSpPr>
+        <p:spPr/>
+        <p:txBody>
+          <a:bodyPr/>
+          <a:lstStyle/>
+          <a:p>
+            <a:fld id="{F6DF8C72-BA44-47CE-A93B-2593D5A8EC4E}" type="slidenum">
+              <a:rPr lang="ko-KR" altLang="en-US" smtClean="0"/>
+              <a:t>1</a:t>
+            </a:fld>
+            <a:endParaRPr lang="ko-KR" altLang="en-US"/>
+          </a:p>
+        </p:txBody>
+      </p:sp>
+    </p:spTree>
+    <p:extLst>
+      <p:ext uri="{BB962C8B-B14F-4D97-AF65-F5344CB8AC3E}">
+        <p14:creationId xmlns:p14="http://schemas.microsoft.com/office/powerpoint/2010/main" val="851209119"/>
+      </p:ext>
+    </p:extLst>
+  </p:cSld>
+  <p:clrMapOvr>
+    <a:masterClrMapping/>
+  </p:clrMapOvr>
+</p:notes>
+</file>
+
+<file path=ppt/notesSlides/notesSlide10.xml><?xml version="1.0" encoding="utf-8"?>
+<p:notes xmlns:a="http://schemas.openxmlformats.org/drawingml/2006/main" xmlns:r="http://schemas.openxmlformats.org/officeDocument/2006/relationships" xmlns:p="http://schemas.openxmlformats.org/presentationml/2006/main">
+  <p:cSld>
+    <p:spTree>
+      <p:nvGrpSpPr>
+        <p:cNvPr id="1" name=""/>
+        <p:cNvGrpSpPr/>
+        <p:nvPr/>
+      </p:nvGrpSpPr>
+      <p:grpSpPr>
+        <a:xfrm>
+          <a:off x="0" y="0"/>
+          <a:ext cx="0" cy="0"/>
+          <a:chOff x="0" y="0"/>
+          <a:chExt cx="0" cy="0"/>
+        </a:xfrm>
+      </p:grpSpPr>
+      <p:sp>
+        <p:nvSpPr>
+          <p:cNvPr id="2" name="슬라이드 이미지 개체 틀 1"/>
+          <p:cNvSpPr>
+            <a:spLocks noGrp="1" noRot="1" noChangeAspect="1"/>
+          </p:cNvSpPr>
+          <p:nvPr>
+            <p:ph type="sldImg"/>
+          </p:nvPr>
+        </p:nvSpPr>
+        <p:spPr/>
+      </p:sp>
+      <p:sp>
+        <p:nvSpPr>
+          <p:cNvPr id="3" name="슬라이드 노트 개체 틀 2"/>
+          <p:cNvSpPr>
+            <a:spLocks noGrp="1"/>
+          </p:cNvSpPr>
+          <p:nvPr>
+            <p:ph type="body" idx="1"/>
+          </p:nvPr>
+        </p:nvSpPr>
+        <p:spPr/>
+        <p:txBody>
+          <a:bodyPr/>
+          <a:lstStyle/>
+          <a:p>
+            <a:pPr marL="0" marR="0" indent="0" algn="l" defTabSz="914400" rtl="0" eaLnBrk="1" fontAlgn="auto" latinLnBrk="1" hangingPunct="1">
+              <a:lnSpc>
+                <a:spcPct val="100000"/>
+              </a:lnSpc>
+              <a:spcBef>
+                <a:spcPts val="0"/>
+              </a:spcBef>
+              <a:spcAft>
+                <a:spcPts val="0"/>
+              </a:spcAft>
+              <a:buClrTx/>
+              <a:buSzTx/>
+              <a:buFontTx/>
+              <a:buNone/>
+              <a:tabLst/>
+              <a:defRPr/>
+            </a:pPr>
+            <a:r>
+              <a:rPr lang="en-US" altLang="ko-KR" sz="1200" kern="1200" dirty="0" smtClean="0">
+                <a:solidFill>
+                  <a:schemeClr val="tx1"/>
+                </a:solidFill>
+                <a:effectLst/>
+                <a:latin typeface="+mn-lt"/>
+                <a:ea typeface="+mn-ea"/>
+                <a:cs typeface="+mn-cs"/>
+              </a:rPr>
+              <a:t>I will study </a:t>
+            </a:r>
+            <a:r>
+              <a:rPr lang="en-US" altLang="ko-KR" sz="1200" kern="1200" dirty="0" err="1" smtClean="0">
+                <a:solidFill>
+                  <a:schemeClr val="tx1"/>
+                </a:solidFill>
+                <a:effectLst/>
+                <a:latin typeface="+mn-lt"/>
+                <a:ea typeface="+mn-ea"/>
+                <a:cs typeface="+mn-cs"/>
+              </a:rPr>
+              <a:t>nodejs</a:t>
+            </a:r>
+            <a:r>
+              <a:rPr lang="en-US" altLang="ko-KR" sz="1200" kern="1200" dirty="0" smtClean="0">
+                <a:solidFill>
+                  <a:schemeClr val="tx1"/>
+                </a:solidFill>
+                <a:effectLst/>
+                <a:latin typeface="+mn-lt"/>
+                <a:ea typeface="+mn-ea"/>
+                <a:cs typeface="+mn-cs"/>
+              </a:rPr>
+              <a:t> and open the web server to use a game server if I can.</a:t>
+            </a:r>
+          </a:p>
+          <a:p>
+            <a:endParaRPr lang="ko-KR" altLang="en-US" dirty="0"/>
+          </a:p>
+        </p:txBody>
+      </p:sp>
+      <p:sp>
+        <p:nvSpPr>
+          <p:cNvPr id="4" name="슬라이드 번호 개체 틀 3"/>
+          <p:cNvSpPr>
+            <a:spLocks noGrp="1"/>
+          </p:cNvSpPr>
+          <p:nvPr>
+            <p:ph type="sldNum" sz="quarter" idx="10"/>
+          </p:nvPr>
+        </p:nvSpPr>
+        <p:spPr/>
+        <p:txBody>
+          <a:bodyPr/>
+          <a:lstStyle/>
+          <a:p>
+            <a:fld id="{F6DF8C72-BA44-47CE-A93B-2593D5A8EC4E}" type="slidenum">
+              <a:rPr lang="ko-KR" altLang="en-US" smtClean="0"/>
+              <a:t>10</a:t>
+            </a:fld>
+            <a:endParaRPr lang="ko-KR" altLang="en-US"/>
+          </a:p>
+        </p:txBody>
+      </p:sp>
+    </p:spTree>
+    <p:extLst>
+      <p:ext uri="{BB962C8B-B14F-4D97-AF65-F5344CB8AC3E}">
+        <p14:creationId xmlns:p14="http://schemas.microsoft.com/office/powerpoint/2010/main" val="2603773762"/>
+      </p:ext>
+    </p:extLst>
+  </p:cSld>
+  <p:clrMapOvr>
+    <a:masterClrMapping/>
+  </p:clrMapOvr>
+</p:notes>
+</file>
+
+<file path=ppt/notesSlides/notesSlide11.xml><?xml version="1.0" encoding="utf-8"?>
+<p:notes xmlns:a="http://schemas.openxmlformats.org/drawingml/2006/main" xmlns:r="http://schemas.openxmlformats.org/officeDocument/2006/relationships" xmlns:p="http://schemas.openxmlformats.org/presentationml/2006/main">
+  <p:cSld>
+    <p:spTree>
+      <p:nvGrpSpPr>
+        <p:cNvPr id="1" name=""/>
+        <p:cNvGrpSpPr/>
+        <p:nvPr/>
+      </p:nvGrpSpPr>
+      <p:grpSpPr>
+        <a:xfrm>
+          <a:off x="0" y="0"/>
+          <a:ext cx="0" cy="0"/>
+          <a:chOff x="0" y="0"/>
+          <a:chExt cx="0" cy="0"/>
+        </a:xfrm>
+      </p:grpSpPr>
+      <p:sp>
+        <p:nvSpPr>
+          <p:cNvPr id="2" name="슬라이드 이미지 개체 틀 1"/>
+          <p:cNvSpPr>
+            <a:spLocks noGrp="1" noRot="1" noChangeAspect="1"/>
+          </p:cNvSpPr>
+          <p:nvPr>
+            <p:ph type="sldImg"/>
+          </p:nvPr>
+        </p:nvSpPr>
+        <p:spPr/>
+      </p:sp>
+      <p:sp>
+        <p:nvSpPr>
+          <p:cNvPr id="3" name="슬라이드 노트 개체 틀 2"/>
+          <p:cNvSpPr>
+            <a:spLocks noGrp="1"/>
+          </p:cNvSpPr>
+          <p:nvPr>
+            <p:ph type="body" idx="1"/>
+          </p:nvPr>
+        </p:nvSpPr>
+        <p:spPr/>
+        <p:txBody>
+          <a:bodyPr/>
+          <a:lstStyle/>
+          <a:p>
+            <a:pPr marL="0" marR="0" indent="0" algn="l" defTabSz="914400" rtl="0" eaLnBrk="1" fontAlgn="auto" latinLnBrk="1" hangingPunct="1">
+              <a:lnSpc>
+                <a:spcPct val="100000"/>
+              </a:lnSpc>
+              <a:spcBef>
+                <a:spcPts val="0"/>
+              </a:spcBef>
+              <a:spcAft>
+                <a:spcPts val="0"/>
+              </a:spcAft>
+              <a:buClrTx/>
+              <a:buSzTx/>
+              <a:buFontTx/>
+              <a:buNone/>
+              <a:tabLst/>
+              <a:defRPr/>
+            </a:pPr>
+            <a:r>
+              <a:rPr lang="en-US" altLang="ko-KR" sz="1200" kern="1200" dirty="0" smtClean="0">
+                <a:solidFill>
+                  <a:schemeClr val="tx1"/>
+                </a:solidFill>
+                <a:effectLst/>
+                <a:latin typeface="+mn-lt"/>
+                <a:ea typeface="+mn-ea"/>
+                <a:cs typeface="+mn-cs"/>
+              </a:rPr>
+              <a:t>Until campus life, I hope to make games solo or two people.</a:t>
+            </a:r>
+          </a:p>
+          <a:p>
+            <a:endParaRPr lang="ko-KR" altLang="en-US" dirty="0"/>
+          </a:p>
+        </p:txBody>
+      </p:sp>
+      <p:sp>
+        <p:nvSpPr>
+          <p:cNvPr id="4" name="슬라이드 번호 개체 틀 3"/>
+          <p:cNvSpPr>
+            <a:spLocks noGrp="1"/>
+          </p:cNvSpPr>
+          <p:nvPr>
+            <p:ph type="sldNum" sz="quarter" idx="10"/>
+          </p:nvPr>
+        </p:nvSpPr>
+        <p:spPr/>
+        <p:txBody>
+          <a:bodyPr/>
+          <a:lstStyle/>
+          <a:p>
+            <a:fld id="{F6DF8C72-BA44-47CE-A93B-2593D5A8EC4E}" type="slidenum">
+              <a:rPr lang="ko-KR" altLang="en-US" smtClean="0"/>
+              <a:t>11</a:t>
+            </a:fld>
+            <a:endParaRPr lang="ko-KR" altLang="en-US"/>
+          </a:p>
+        </p:txBody>
+      </p:sp>
+    </p:spTree>
+    <p:extLst>
+      <p:ext uri="{BB962C8B-B14F-4D97-AF65-F5344CB8AC3E}">
+        <p14:creationId xmlns:p14="http://schemas.microsoft.com/office/powerpoint/2010/main" val="3323531898"/>
+      </p:ext>
+    </p:extLst>
+  </p:cSld>
+  <p:clrMapOvr>
+    <a:masterClrMapping/>
+  </p:clrMapOvr>
+</p:notes>
+</file>
+
+<file path=ppt/notesSlides/notesSlide12.xml><?xml version="1.0" encoding="utf-8"?>
+<p:notes xmlns:a="http://schemas.openxmlformats.org/drawingml/2006/main" xmlns:r="http://schemas.openxmlformats.org/officeDocument/2006/relationships" xmlns:p="http://schemas.openxmlformats.org/presentationml/2006/main">
+  <p:cSld>
+    <p:spTree>
+      <p:nvGrpSpPr>
+        <p:cNvPr id="1" name=""/>
+        <p:cNvGrpSpPr/>
+        <p:nvPr/>
+      </p:nvGrpSpPr>
+      <p:grpSpPr>
+        <a:xfrm>
+          <a:off x="0" y="0"/>
+          <a:ext cx="0" cy="0"/>
+          <a:chOff x="0" y="0"/>
+          <a:chExt cx="0" cy="0"/>
+        </a:xfrm>
+      </p:grpSpPr>
+      <p:sp>
+        <p:nvSpPr>
+          <p:cNvPr id="2" name="슬라이드 이미지 개체 틀 1"/>
+          <p:cNvSpPr>
+            <a:spLocks noGrp="1" noRot="1" noChangeAspect="1"/>
+          </p:cNvSpPr>
+          <p:nvPr>
+            <p:ph type="sldImg"/>
+          </p:nvPr>
+        </p:nvSpPr>
+        <p:spPr/>
+      </p:sp>
+      <p:sp>
+        <p:nvSpPr>
+          <p:cNvPr id="3" name="슬라이드 노트 개체 틀 2"/>
+          <p:cNvSpPr>
+            <a:spLocks noGrp="1"/>
+          </p:cNvSpPr>
+          <p:nvPr>
+            <p:ph type="body" idx="1"/>
+          </p:nvPr>
+        </p:nvSpPr>
+        <p:spPr/>
+        <p:txBody>
+          <a:bodyPr/>
+          <a:lstStyle/>
+          <a:p>
+            <a:pPr marL="0" marR="0" indent="0" algn="l" defTabSz="914400" rtl="0" eaLnBrk="1" fontAlgn="auto" latinLnBrk="1" hangingPunct="1">
+              <a:lnSpc>
+                <a:spcPct val="100000"/>
+              </a:lnSpc>
+              <a:spcBef>
+                <a:spcPts val="0"/>
+              </a:spcBef>
+              <a:spcAft>
+                <a:spcPts val="0"/>
+              </a:spcAft>
+              <a:buClrTx/>
+              <a:buSzTx/>
+              <a:buFontTx/>
+              <a:buNone/>
+              <a:tabLst/>
+              <a:defRPr/>
+            </a:pPr>
+            <a:r>
+              <a:rPr lang="en-US" altLang="ko-KR" sz="1200" kern="1200" dirty="0" smtClean="0">
+                <a:solidFill>
+                  <a:schemeClr val="tx1"/>
+                </a:solidFill>
+                <a:effectLst/>
+                <a:latin typeface="+mn-lt"/>
+                <a:ea typeface="+mn-ea"/>
+                <a:cs typeface="+mn-cs"/>
+              </a:rPr>
+              <a:t>Make various games and Take part in contest, so I will build my career to write my own portfolio.</a:t>
+            </a:r>
+          </a:p>
+          <a:p>
+            <a:endParaRPr lang="ko-KR" altLang="en-US" dirty="0"/>
+          </a:p>
+        </p:txBody>
+      </p:sp>
+      <p:sp>
+        <p:nvSpPr>
+          <p:cNvPr id="4" name="슬라이드 번호 개체 틀 3"/>
+          <p:cNvSpPr>
+            <a:spLocks noGrp="1"/>
+          </p:cNvSpPr>
+          <p:nvPr>
+            <p:ph type="sldNum" sz="quarter" idx="10"/>
+          </p:nvPr>
+        </p:nvSpPr>
+        <p:spPr/>
+        <p:txBody>
+          <a:bodyPr/>
+          <a:lstStyle/>
+          <a:p>
+            <a:fld id="{F6DF8C72-BA44-47CE-A93B-2593D5A8EC4E}" type="slidenum">
+              <a:rPr lang="ko-KR" altLang="en-US" smtClean="0"/>
+              <a:t>12</a:t>
+            </a:fld>
+            <a:endParaRPr lang="ko-KR" altLang="en-US"/>
+          </a:p>
+        </p:txBody>
+      </p:sp>
+    </p:spTree>
+    <p:extLst>
+      <p:ext uri="{BB962C8B-B14F-4D97-AF65-F5344CB8AC3E}">
+        <p14:creationId xmlns:p14="http://schemas.microsoft.com/office/powerpoint/2010/main" val="2392751348"/>
+      </p:ext>
+    </p:extLst>
+  </p:cSld>
+  <p:clrMapOvr>
+    <a:masterClrMapping/>
+  </p:clrMapOvr>
+</p:notes>
+</file>
+
+<file path=ppt/notesSlides/notesSlide13.xml><?xml version="1.0" encoding="utf-8"?>
+<p:notes xmlns:a="http://schemas.openxmlformats.org/drawingml/2006/main" xmlns:r="http://schemas.openxmlformats.org/officeDocument/2006/relationships" xmlns:p="http://schemas.openxmlformats.org/presentationml/2006/main">
+  <p:cSld>
+    <p:spTree>
+      <p:nvGrpSpPr>
+        <p:cNvPr id="1" name=""/>
+        <p:cNvGrpSpPr/>
+        <p:nvPr/>
+      </p:nvGrpSpPr>
+      <p:grpSpPr>
+        <a:xfrm>
+          <a:off x="0" y="0"/>
+          <a:ext cx="0" cy="0"/>
+          <a:chOff x="0" y="0"/>
+          <a:chExt cx="0" cy="0"/>
+        </a:xfrm>
+      </p:grpSpPr>
+      <p:sp>
+        <p:nvSpPr>
+          <p:cNvPr id="2" name="슬라이드 이미지 개체 틀 1"/>
+          <p:cNvSpPr>
+            <a:spLocks noGrp="1" noRot="1" noChangeAspect="1"/>
+          </p:cNvSpPr>
+          <p:nvPr>
+            <p:ph type="sldImg"/>
+          </p:nvPr>
+        </p:nvSpPr>
+        <p:spPr/>
+      </p:sp>
+      <p:sp>
+        <p:nvSpPr>
+          <p:cNvPr id="3" name="슬라이드 노트 개체 틀 2"/>
+          <p:cNvSpPr>
+            <a:spLocks noGrp="1"/>
+          </p:cNvSpPr>
+          <p:nvPr>
+            <p:ph type="body" idx="1"/>
+          </p:nvPr>
+        </p:nvSpPr>
+        <p:spPr/>
+        <p:txBody>
+          <a:bodyPr/>
+          <a:lstStyle/>
+          <a:p>
+            <a:pPr marL="0" marR="0" indent="0" algn="l" defTabSz="914400" rtl="0" eaLnBrk="1" fontAlgn="auto" latinLnBrk="1" hangingPunct="1">
+              <a:lnSpc>
+                <a:spcPct val="100000"/>
+              </a:lnSpc>
+              <a:spcBef>
+                <a:spcPts val="0"/>
+              </a:spcBef>
+              <a:spcAft>
+                <a:spcPts val="0"/>
+              </a:spcAft>
+              <a:buClrTx/>
+              <a:buSzTx/>
+              <a:buFontTx/>
+              <a:buNone/>
+              <a:tabLst/>
+              <a:defRPr/>
+            </a:pPr>
+            <a:r>
+              <a:rPr lang="en-US" altLang="ko-KR" sz="1200" kern="1200" dirty="0" smtClean="0">
+                <a:solidFill>
+                  <a:schemeClr val="tx1"/>
+                </a:solidFill>
+                <a:effectLst/>
+                <a:latin typeface="+mn-lt"/>
+                <a:ea typeface="+mn-ea"/>
+                <a:cs typeface="+mn-cs"/>
+              </a:rPr>
+              <a:t>then I would lead my way to advantage direction.</a:t>
+            </a:r>
+          </a:p>
+          <a:p>
+            <a:endParaRPr lang="ko-KR" altLang="en-US" dirty="0"/>
+          </a:p>
+        </p:txBody>
+      </p:sp>
+      <p:sp>
+        <p:nvSpPr>
+          <p:cNvPr id="4" name="슬라이드 번호 개체 틀 3"/>
+          <p:cNvSpPr>
+            <a:spLocks noGrp="1"/>
+          </p:cNvSpPr>
+          <p:nvPr>
+            <p:ph type="sldNum" sz="quarter" idx="10"/>
+          </p:nvPr>
+        </p:nvSpPr>
+        <p:spPr/>
+        <p:txBody>
+          <a:bodyPr/>
+          <a:lstStyle/>
+          <a:p>
+            <a:fld id="{F6DF8C72-BA44-47CE-A93B-2593D5A8EC4E}" type="slidenum">
+              <a:rPr lang="ko-KR" altLang="en-US" smtClean="0"/>
+              <a:t>13</a:t>
+            </a:fld>
+            <a:endParaRPr lang="ko-KR" altLang="en-US"/>
+          </a:p>
+        </p:txBody>
+      </p:sp>
+    </p:spTree>
+    <p:extLst>
+      <p:ext uri="{BB962C8B-B14F-4D97-AF65-F5344CB8AC3E}">
+        <p14:creationId xmlns:p14="http://schemas.microsoft.com/office/powerpoint/2010/main" val="3336421017"/>
+      </p:ext>
+    </p:extLst>
+  </p:cSld>
+  <p:clrMapOvr>
+    <a:masterClrMapping/>
+  </p:clrMapOvr>
+</p:notes>
+</file>
+
+<file path=ppt/notesSlides/notesSlide2.xml><?xml version="1.0" encoding="utf-8"?>
+<p:notes xmlns:a="http://schemas.openxmlformats.org/drawingml/2006/main" xmlns:r="http://schemas.openxmlformats.org/officeDocument/2006/relationships" xmlns:p="http://schemas.openxmlformats.org/presentationml/2006/main">
+  <p:cSld>
+    <p:spTree>
+      <p:nvGrpSpPr>
+        <p:cNvPr id="1" name=""/>
+        <p:cNvGrpSpPr/>
+        <p:nvPr/>
+      </p:nvGrpSpPr>
+      <p:grpSpPr>
+        <a:xfrm>
+          <a:off x="0" y="0"/>
+          <a:ext cx="0" cy="0"/>
+          <a:chOff x="0" y="0"/>
+          <a:chExt cx="0" cy="0"/>
+        </a:xfrm>
+      </p:grpSpPr>
+      <p:sp>
+        <p:nvSpPr>
+          <p:cNvPr id="2" name="슬라이드 이미지 개체 틀 1"/>
+          <p:cNvSpPr>
+            <a:spLocks noGrp="1" noRot="1" noChangeAspect="1"/>
+          </p:cNvSpPr>
+          <p:nvPr>
+            <p:ph type="sldImg"/>
+          </p:nvPr>
+        </p:nvSpPr>
+        <p:spPr/>
+      </p:sp>
+      <p:sp>
+        <p:nvSpPr>
+          <p:cNvPr id="3" name="슬라이드 노트 개체 틀 2"/>
+          <p:cNvSpPr>
+            <a:spLocks noGrp="1"/>
+          </p:cNvSpPr>
+          <p:nvPr>
+            <p:ph type="body" idx="1"/>
+          </p:nvPr>
+        </p:nvSpPr>
+        <p:spPr/>
+        <p:txBody>
+          <a:bodyPr/>
+          <a:lstStyle/>
+          <a:p>
+            <a:r>
+              <a:rPr lang="en-US" altLang="ko-KR" dirty="0" smtClean="0"/>
+              <a:t>I</a:t>
+            </a:r>
+            <a:endParaRPr lang="ko-KR" altLang="en-US" dirty="0"/>
+          </a:p>
+        </p:txBody>
+      </p:sp>
+      <p:sp>
+        <p:nvSpPr>
+          <p:cNvPr id="4" name="슬라이드 번호 개체 틀 3"/>
+          <p:cNvSpPr>
+            <a:spLocks noGrp="1"/>
+          </p:cNvSpPr>
+          <p:nvPr>
+            <p:ph type="sldNum" sz="quarter" idx="10"/>
+          </p:nvPr>
+        </p:nvSpPr>
+        <p:spPr/>
+        <p:txBody>
+          <a:bodyPr/>
+          <a:lstStyle/>
+          <a:p>
+            <a:fld id="{F6DF8C72-BA44-47CE-A93B-2593D5A8EC4E}" type="slidenum">
+              <a:rPr lang="ko-KR" altLang="en-US" smtClean="0"/>
+              <a:t>2</a:t>
+            </a:fld>
+            <a:endParaRPr lang="ko-KR" altLang="en-US"/>
+          </a:p>
+        </p:txBody>
+      </p:sp>
+    </p:spTree>
+    <p:extLst>
+      <p:ext uri="{BB962C8B-B14F-4D97-AF65-F5344CB8AC3E}">
+        <p14:creationId xmlns:p14="http://schemas.microsoft.com/office/powerpoint/2010/main" val="955164281"/>
+      </p:ext>
+    </p:extLst>
+  </p:cSld>
+  <p:clrMapOvr>
+    <a:masterClrMapping/>
+  </p:clrMapOvr>
+</p:notes>
+</file>
+
+<file path=ppt/notesSlides/notesSlide3.xml><?xml version="1.0" encoding="utf-8"?>
+<p:notes xmlns:a="http://schemas.openxmlformats.org/drawingml/2006/main" xmlns:r="http://schemas.openxmlformats.org/officeDocument/2006/relationships" xmlns:p="http://schemas.openxmlformats.org/presentationml/2006/main">
+  <p:cSld>
+    <p:spTree>
+      <p:nvGrpSpPr>
+        <p:cNvPr id="1" name=""/>
+        <p:cNvGrpSpPr/>
+        <p:nvPr/>
+      </p:nvGrpSpPr>
+      <p:grpSpPr>
+        <a:xfrm>
+          <a:off x="0" y="0"/>
+          <a:ext cx="0" cy="0"/>
+          <a:chOff x="0" y="0"/>
+          <a:chExt cx="0" cy="0"/>
+        </a:xfrm>
+      </p:grpSpPr>
+      <p:sp>
+        <p:nvSpPr>
+          <p:cNvPr id="2" name="슬라이드 이미지 개체 틀 1"/>
+          <p:cNvSpPr>
+            <a:spLocks noGrp="1" noRot="1" noChangeAspect="1"/>
+          </p:cNvSpPr>
+          <p:nvPr>
+            <p:ph type="sldImg"/>
+          </p:nvPr>
+        </p:nvSpPr>
+        <p:spPr/>
+      </p:sp>
+      <p:sp>
+        <p:nvSpPr>
+          <p:cNvPr id="3" name="슬라이드 노트 개체 틀 2"/>
+          <p:cNvSpPr>
+            <a:spLocks noGrp="1"/>
+          </p:cNvSpPr>
+          <p:nvPr>
+            <p:ph type="body" idx="1"/>
+          </p:nvPr>
+        </p:nvSpPr>
+        <p:spPr/>
+        <p:txBody>
+          <a:bodyPr/>
+          <a:lstStyle/>
+          <a:p>
+            <a:r>
+              <a:rPr lang="en-US" altLang="ko-KR" dirty="0" smtClean="0"/>
+              <a:t>will</a:t>
+            </a:r>
+            <a:r>
+              <a:rPr lang="en-US" altLang="ko-KR" baseline="0" dirty="0" smtClean="0"/>
+              <a:t> be</a:t>
+            </a:r>
+            <a:endParaRPr lang="ko-KR" altLang="en-US" dirty="0"/>
+          </a:p>
+        </p:txBody>
+      </p:sp>
+      <p:sp>
+        <p:nvSpPr>
+          <p:cNvPr id="4" name="슬라이드 번호 개체 틀 3"/>
+          <p:cNvSpPr>
+            <a:spLocks noGrp="1"/>
+          </p:cNvSpPr>
+          <p:nvPr>
+            <p:ph type="sldNum" sz="quarter" idx="10"/>
+          </p:nvPr>
+        </p:nvSpPr>
+        <p:spPr/>
+        <p:txBody>
+          <a:bodyPr/>
+          <a:lstStyle/>
+          <a:p>
+            <a:fld id="{F6DF8C72-BA44-47CE-A93B-2593D5A8EC4E}" type="slidenum">
+              <a:rPr lang="ko-KR" altLang="en-US" smtClean="0"/>
+              <a:t>3</a:t>
+            </a:fld>
+            <a:endParaRPr lang="ko-KR" altLang="en-US"/>
+          </a:p>
+        </p:txBody>
+      </p:sp>
+    </p:spTree>
+    <p:extLst>
+      <p:ext uri="{BB962C8B-B14F-4D97-AF65-F5344CB8AC3E}">
+        <p14:creationId xmlns:p14="http://schemas.microsoft.com/office/powerpoint/2010/main" val="3391041701"/>
+      </p:ext>
+    </p:extLst>
+  </p:cSld>
+  <p:clrMapOvr>
+    <a:masterClrMapping/>
+  </p:clrMapOvr>
+</p:notes>
+</file>
+
+<file path=ppt/notesSlides/notesSlide4.xml><?xml version="1.0" encoding="utf-8"?>
+<p:notes xmlns:a="http://schemas.openxmlformats.org/drawingml/2006/main" xmlns:r="http://schemas.openxmlformats.org/officeDocument/2006/relationships" xmlns:p="http://schemas.openxmlformats.org/presentationml/2006/main">
+  <p:cSld>
+    <p:spTree>
+      <p:nvGrpSpPr>
+        <p:cNvPr id="1" name=""/>
+        <p:cNvGrpSpPr/>
+        <p:nvPr/>
+      </p:nvGrpSpPr>
+      <p:grpSpPr>
+        <a:xfrm>
+          <a:off x="0" y="0"/>
+          <a:ext cx="0" cy="0"/>
+          <a:chOff x="0" y="0"/>
+          <a:chExt cx="0" cy="0"/>
+        </a:xfrm>
+      </p:grpSpPr>
+      <p:sp>
+        <p:nvSpPr>
+          <p:cNvPr id="2" name="슬라이드 이미지 개체 틀 1"/>
+          <p:cNvSpPr>
+            <a:spLocks noGrp="1" noRot="1" noChangeAspect="1"/>
+          </p:cNvSpPr>
+          <p:nvPr>
+            <p:ph type="sldImg"/>
+          </p:nvPr>
+        </p:nvSpPr>
+        <p:spPr/>
+      </p:sp>
+      <p:sp>
+        <p:nvSpPr>
+          <p:cNvPr id="3" name="슬라이드 노트 개체 틀 2"/>
+          <p:cNvSpPr>
+            <a:spLocks noGrp="1"/>
+          </p:cNvSpPr>
+          <p:nvPr>
+            <p:ph type="body" idx="1"/>
+          </p:nvPr>
+        </p:nvSpPr>
+        <p:spPr/>
+        <p:txBody>
+          <a:bodyPr/>
+          <a:lstStyle/>
+          <a:p>
+            <a:pPr fontAlgn="base" latinLnBrk="1"/>
+            <a:r>
+              <a:rPr lang="en-US" altLang="ko-KR" sz="1200" kern="1200" dirty="0" smtClean="0">
+                <a:solidFill>
+                  <a:schemeClr val="tx1"/>
+                </a:solidFill>
+                <a:effectLst/>
+                <a:latin typeface="+mn-lt"/>
+                <a:ea typeface="+mn-ea"/>
+                <a:cs typeface="+mn-cs"/>
+              </a:rPr>
+              <a:t>a great android programmer.</a:t>
+            </a:r>
+          </a:p>
+          <a:p>
+            <a:pPr fontAlgn="base" latinLnBrk="1"/>
+            <a:r>
+              <a:rPr lang="en-US" altLang="ko-KR" sz="1200" kern="1200" dirty="0" smtClean="0">
+                <a:solidFill>
+                  <a:schemeClr val="tx1"/>
+                </a:solidFill>
+                <a:effectLst/>
+                <a:latin typeface="+mn-lt"/>
+                <a:ea typeface="+mn-ea"/>
+                <a:cs typeface="+mn-cs"/>
+              </a:rPr>
+              <a:t>but sometimes</a:t>
+            </a:r>
+          </a:p>
+          <a:p>
+            <a:endParaRPr lang="ko-KR" altLang="en-US" dirty="0"/>
+          </a:p>
+        </p:txBody>
+      </p:sp>
+      <p:sp>
+        <p:nvSpPr>
+          <p:cNvPr id="4" name="슬라이드 번호 개체 틀 3"/>
+          <p:cNvSpPr>
+            <a:spLocks noGrp="1"/>
+          </p:cNvSpPr>
+          <p:nvPr>
+            <p:ph type="sldNum" sz="quarter" idx="10"/>
+          </p:nvPr>
+        </p:nvSpPr>
+        <p:spPr/>
+        <p:txBody>
+          <a:bodyPr/>
+          <a:lstStyle/>
+          <a:p>
+            <a:fld id="{F6DF8C72-BA44-47CE-A93B-2593D5A8EC4E}" type="slidenum">
+              <a:rPr lang="ko-KR" altLang="en-US" smtClean="0"/>
+              <a:t>4</a:t>
+            </a:fld>
+            <a:endParaRPr lang="ko-KR" altLang="en-US"/>
+          </a:p>
+        </p:txBody>
+      </p:sp>
+    </p:spTree>
+    <p:extLst>
+      <p:ext uri="{BB962C8B-B14F-4D97-AF65-F5344CB8AC3E}">
+        <p14:creationId xmlns:p14="http://schemas.microsoft.com/office/powerpoint/2010/main" val="3238053986"/>
+      </p:ext>
+    </p:extLst>
+  </p:cSld>
+  <p:clrMapOvr>
+    <a:masterClrMapping/>
+  </p:clrMapOvr>
+</p:notes>
+</file>
+
+<file path=ppt/notesSlides/notesSlide5.xml><?xml version="1.0" encoding="utf-8"?>
+<p:notes xmlns:a="http://schemas.openxmlformats.org/drawingml/2006/main" xmlns:r="http://schemas.openxmlformats.org/officeDocument/2006/relationships" xmlns:p="http://schemas.openxmlformats.org/presentationml/2006/main">
+  <p:cSld>
+    <p:spTree>
+      <p:nvGrpSpPr>
+        <p:cNvPr id="1" name=""/>
+        <p:cNvGrpSpPr/>
+        <p:nvPr/>
+      </p:nvGrpSpPr>
+      <p:grpSpPr>
+        <a:xfrm>
+          <a:off x="0" y="0"/>
+          <a:ext cx="0" cy="0"/>
+          <a:chOff x="0" y="0"/>
+          <a:chExt cx="0" cy="0"/>
+        </a:xfrm>
+      </p:grpSpPr>
+      <p:sp>
+        <p:nvSpPr>
+          <p:cNvPr id="2" name="슬라이드 이미지 개체 틀 1"/>
+          <p:cNvSpPr>
+            <a:spLocks noGrp="1" noRot="1" noChangeAspect="1"/>
+          </p:cNvSpPr>
+          <p:nvPr>
+            <p:ph type="sldImg"/>
+          </p:nvPr>
+        </p:nvSpPr>
+        <p:spPr/>
+      </p:sp>
+      <p:sp>
+        <p:nvSpPr>
+          <p:cNvPr id="3" name="슬라이드 노트 개체 틀 2"/>
+          <p:cNvSpPr>
+            <a:spLocks noGrp="1"/>
+          </p:cNvSpPr>
+          <p:nvPr>
+            <p:ph type="body" idx="1"/>
+          </p:nvPr>
+        </p:nvSpPr>
+        <p:spPr/>
+        <p:txBody>
+          <a:bodyPr/>
+          <a:lstStyle/>
+          <a:p>
+            <a:pPr marL="0" marR="0" indent="0" algn="l" defTabSz="914400" rtl="0" eaLnBrk="1" fontAlgn="auto" latinLnBrk="1" hangingPunct="1">
+              <a:lnSpc>
+                <a:spcPct val="100000"/>
+              </a:lnSpc>
+              <a:spcBef>
+                <a:spcPts val="0"/>
+              </a:spcBef>
+              <a:spcAft>
+                <a:spcPts val="0"/>
+              </a:spcAft>
+              <a:buClrTx/>
+              <a:buSzTx/>
+              <a:buFontTx/>
+              <a:buNone/>
+              <a:tabLst/>
+              <a:defRPr/>
+            </a:pPr>
+            <a:r>
+              <a:rPr lang="en-US" altLang="ko-KR" sz="1200" kern="1200" dirty="0" smtClean="0">
+                <a:solidFill>
+                  <a:schemeClr val="tx1"/>
+                </a:solidFill>
+                <a:effectLst/>
+                <a:latin typeface="+mn-lt"/>
+                <a:ea typeface="+mn-ea"/>
+                <a:cs typeface="+mn-cs"/>
+              </a:rPr>
+              <a:t>I will develop pc games support the cross platform by </a:t>
+            </a:r>
+            <a:r>
+              <a:rPr lang="en-US" altLang="ko-KR" sz="1200" kern="1200" dirty="0" err="1" smtClean="0">
+                <a:solidFill>
+                  <a:schemeClr val="tx1"/>
+                </a:solidFill>
+                <a:effectLst/>
+                <a:latin typeface="+mn-lt"/>
+                <a:ea typeface="+mn-ea"/>
+                <a:cs typeface="+mn-cs"/>
+              </a:rPr>
+              <a:t>opengl</a:t>
+            </a:r>
+            <a:endParaRPr lang="en-US" altLang="ko-KR" sz="1200" kern="1200" dirty="0" smtClean="0">
+              <a:solidFill>
+                <a:schemeClr val="tx1"/>
+              </a:solidFill>
+              <a:effectLst/>
+              <a:latin typeface="+mn-lt"/>
+              <a:ea typeface="+mn-ea"/>
+              <a:cs typeface="+mn-cs"/>
+            </a:endParaRPr>
+          </a:p>
+          <a:p>
+            <a:endParaRPr lang="ko-KR" altLang="en-US" dirty="0"/>
+          </a:p>
+        </p:txBody>
+      </p:sp>
+      <p:sp>
+        <p:nvSpPr>
+          <p:cNvPr id="4" name="슬라이드 번호 개체 틀 3"/>
+          <p:cNvSpPr>
+            <a:spLocks noGrp="1"/>
+          </p:cNvSpPr>
+          <p:nvPr>
+            <p:ph type="sldNum" sz="quarter" idx="10"/>
+          </p:nvPr>
+        </p:nvSpPr>
+        <p:spPr/>
+        <p:txBody>
+          <a:bodyPr/>
+          <a:lstStyle/>
+          <a:p>
+            <a:fld id="{F6DF8C72-BA44-47CE-A93B-2593D5A8EC4E}" type="slidenum">
+              <a:rPr lang="ko-KR" altLang="en-US" smtClean="0"/>
+              <a:t>5</a:t>
+            </a:fld>
+            <a:endParaRPr lang="ko-KR" altLang="en-US"/>
+          </a:p>
+        </p:txBody>
+      </p:sp>
+    </p:spTree>
+    <p:extLst>
+      <p:ext uri="{BB962C8B-B14F-4D97-AF65-F5344CB8AC3E}">
+        <p14:creationId xmlns:p14="http://schemas.microsoft.com/office/powerpoint/2010/main" val="3852532738"/>
+      </p:ext>
+    </p:extLst>
+  </p:cSld>
+  <p:clrMapOvr>
+    <a:masterClrMapping/>
+  </p:clrMapOvr>
+</p:notes>
+</file>
+
+<file path=ppt/notesSlides/notesSlide6.xml><?xml version="1.0" encoding="utf-8"?>
+<p:notes xmlns:a="http://schemas.openxmlformats.org/drawingml/2006/main" xmlns:r="http://schemas.openxmlformats.org/officeDocument/2006/relationships" xmlns:p="http://schemas.openxmlformats.org/presentationml/2006/main">
+  <p:cSld>
+    <p:spTree>
+      <p:nvGrpSpPr>
+        <p:cNvPr id="1" name=""/>
+        <p:cNvGrpSpPr/>
+        <p:nvPr/>
+      </p:nvGrpSpPr>
+      <p:grpSpPr>
+        <a:xfrm>
+          <a:off x="0" y="0"/>
+          <a:ext cx="0" cy="0"/>
+          <a:chOff x="0" y="0"/>
+          <a:chExt cx="0" cy="0"/>
+        </a:xfrm>
+      </p:grpSpPr>
+      <p:sp>
+        <p:nvSpPr>
+          <p:cNvPr id="2" name="슬라이드 이미지 개체 틀 1"/>
+          <p:cNvSpPr>
+            <a:spLocks noGrp="1" noRot="1" noChangeAspect="1"/>
+          </p:cNvSpPr>
+          <p:nvPr>
+            <p:ph type="sldImg"/>
+          </p:nvPr>
+        </p:nvSpPr>
+        <p:spPr/>
+      </p:sp>
+      <p:sp>
+        <p:nvSpPr>
+          <p:cNvPr id="3" name="슬라이드 노트 개체 틀 2"/>
+          <p:cNvSpPr>
+            <a:spLocks noGrp="1"/>
+          </p:cNvSpPr>
+          <p:nvPr>
+            <p:ph type="body" idx="1"/>
+          </p:nvPr>
+        </p:nvSpPr>
+        <p:spPr/>
+        <p:txBody>
+          <a:bodyPr/>
+          <a:lstStyle/>
+          <a:p>
+            <a:pPr marL="0" marR="0" indent="0" algn="l" defTabSz="914400" rtl="0" eaLnBrk="1" fontAlgn="auto" latinLnBrk="1" hangingPunct="1">
+              <a:lnSpc>
+                <a:spcPct val="100000"/>
+              </a:lnSpc>
+              <a:spcBef>
+                <a:spcPts val="0"/>
+              </a:spcBef>
+              <a:spcAft>
+                <a:spcPts val="0"/>
+              </a:spcAft>
+              <a:buClrTx/>
+              <a:buSzTx/>
+              <a:buFontTx/>
+              <a:buNone/>
+              <a:tabLst/>
+              <a:defRPr/>
+            </a:pPr>
+            <a:r>
+              <a:rPr lang="en-US" altLang="ko-KR" sz="1200" kern="1200" dirty="0" smtClean="0">
+                <a:solidFill>
+                  <a:schemeClr val="tx1"/>
+                </a:solidFill>
+                <a:effectLst/>
+                <a:latin typeface="+mn-lt"/>
+                <a:ea typeface="+mn-ea"/>
+                <a:cs typeface="+mn-cs"/>
+              </a:rPr>
+              <a:t>(</a:t>
+            </a:r>
+            <a:r>
+              <a:rPr lang="en-US" altLang="ko-KR" sz="1200" kern="1200" dirty="0" err="1" smtClean="0">
+                <a:solidFill>
+                  <a:schemeClr val="tx1"/>
+                </a:solidFill>
+                <a:effectLst/>
+                <a:latin typeface="+mn-lt"/>
+                <a:ea typeface="+mn-ea"/>
+                <a:cs typeface="+mn-cs"/>
+              </a:rPr>
+              <a:t>opengl</a:t>
+            </a:r>
+            <a:r>
+              <a:rPr lang="en-US" altLang="ko-KR" sz="1200" kern="1200" dirty="0" smtClean="0">
+                <a:solidFill>
+                  <a:schemeClr val="tx1"/>
+                </a:solidFill>
+                <a:effectLst/>
+                <a:latin typeface="+mn-lt"/>
+                <a:ea typeface="+mn-ea"/>
+                <a:cs typeface="+mn-cs"/>
+              </a:rPr>
+              <a:t> explain?)</a:t>
+            </a:r>
+          </a:p>
+          <a:p>
+            <a:endParaRPr lang="ko-KR" altLang="en-US" dirty="0"/>
+          </a:p>
+        </p:txBody>
+      </p:sp>
+      <p:sp>
+        <p:nvSpPr>
+          <p:cNvPr id="4" name="슬라이드 번호 개체 틀 3"/>
+          <p:cNvSpPr>
+            <a:spLocks noGrp="1"/>
+          </p:cNvSpPr>
+          <p:nvPr>
+            <p:ph type="sldNum" sz="quarter" idx="10"/>
+          </p:nvPr>
+        </p:nvSpPr>
+        <p:spPr/>
+        <p:txBody>
+          <a:bodyPr/>
+          <a:lstStyle/>
+          <a:p>
+            <a:fld id="{F6DF8C72-BA44-47CE-A93B-2593D5A8EC4E}" type="slidenum">
+              <a:rPr lang="ko-KR" altLang="en-US" smtClean="0"/>
+              <a:t>6</a:t>
+            </a:fld>
+            <a:endParaRPr lang="ko-KR" altLang="en-US"/>
+          </a:p>
+        </p:txBody>
+      </p:sp>
+    </p:spTree>
+    <p:extLst>
+      <p:ext uri="{BB962C8B-B14F-4D97-AF65-F5344CB8AC3E}">
+        <p14:creationId xmlns:p14="http://schemas.microsoft.com/office/powerpoint/2010/main" val="3371802265"/>
+      </p:ext>
+    </p:extLst>
+  </p:cSld>
+  <p:clrMapOvr>
+    <a:masterClrMapping/>
+  </p:clrMapOvr>
+</p:notes>
+</file>
+
+<file path=ppt/notesSlides/notesSlide7.xml><?xml version="1.0" encoding="utf-8"?>
+<p:notes xmlns:a="http://schemas.openxmlformats.org/drawingml/2006/main" xmlns:r="http://schemas.openxmlformats.org/officeDocument/2006/relationships" xmlns:p="http://schemas.openxmlformats.org/presentationml/2006/main">
+  <p:cSld>
+    <p:spTree>
+      <p:nvGrpSpPr>
+        <p:cNvPr id="1" name=""/>
+        <p:cNvGrpSpPr/>
+        <p:nvPr/>
+      </p:nvGrpSpPr>
+      <p:grpSpPr>
+        <a:xfrm>
+          <a:off x="0" y="0"/>
+          <a:ext cx="0" cy="0"/>
+          <a:chOff x="0" y="0"/>
+          <a:chExt cx="0" cy="0"/>
+        </a:xfrm>
+      </p:grpSpPr>
+      <p:sp>
+        <p:nvSpPr>
+          <p:cNvPr id="2" name="슬라이드 이미지 개체 틀 1"/>
+          <p:cNvSpPr>
+            <a:spLocks noGrp="1" noRot="1" noChangeAspect="1"/>
+          </p:cNvSpPr>
+          <p:nvPr>
+            <p:ph type="sldImg"/>
+          </p:nvPr>
+        </p:nvSpPr>
+        <p:spPr/>
+      </p:sp>
+      <p:sp>
+        <p:nvSpPr>
+          <p:cNvPr id="3" name="슬라이드 노트 개체 틀 2"/>
+          <p:cNvSpPr>
+            <a:spLocks noGrp="1"/>
+          </p:cNvSpPr>
+          <p:nvPr>
+            <p:ph type="body" idx="1"/>
+          </p:nvPr>
+        </p:nvSpPr>
+        <p:spPr/>
+        <p:txBody>
+          <a:bodyPr/>
+          <a:lstStyle/>
+          <a:p>
+            <a:pPr marL="0" marR="0" indent="0" algn="l" defTabSz="914400" rtl="0" eaLnBrk="1" fontAlgn="auto" latinLnBrk="1" hangingPunct="1">
+              <a:lnSpc>
+                <a:spcPct val="100000"/>
+              </a:lnSpc>
+              <a:spcBef>
+                <a:spcPts val="0"/>
+              </a:spcBef>
+              <a:spcAft>
+                <a:spcPts val="0"/>
+              </a:spcAft>
+              <a:buClrTx/>
+              <a:buSzTx/>
+              <a:buFontTx/>
+              <a:buNone/>
+              <a:tabLst/>
+              <a:defRPr/>
+            </a:pPr>
+            <a:r>
+              <a:rPr lang="en-US" altLang="ko-KR" sz="1200" kern="1200" dirty="0" smtClean="0">
+                <a:solidFill>
+                  <a:schemeClr val="tx1"/>
+                </a:solidFill>
+                <a:effectLst/>
+                <a:latin typeface="+mn-lt"/>
+                <a:ea typeface="+mn-ea"/>
+                <a:cs typeface="+mn-cs"/>
+              </a:rPr>
+              <a:t>To get this job, </a:t>
+            </a:r>
+          </a:p>
+          <a:p>
+            <a:endParaRPr lang="ko-KR" altLang="en-US" dirty="0"/>
+          </a:p>
+        </p:txBody>
+      </p:sp>
+      <p:sp>
+        <p:nvSpPr>
+          <p:cNvPr id="4" name="슬라이드 번호 개체 틀 3"/>
+          <p:cNvSpPr>
+            <a:spLocks noGrp="1"/>
+          </p:cNvSpPr>
+          <p:nvPr>
+            <p:ph type="sldNum" sz="quarter" idx="10"/>
+          </p:nvPr>
+        </p:nvSpPr>
+        <p:spPr/>
+        <p:txBody>
+          <a:bodyPr/>
+          <a:lstStyle/>
+          <a:p>
+            <a:fld id="{F6DF8C72-BA44-47CE-A93B-2593D5A8EC4E}" type="slidenum">
+              <a:rPr lang="ko-KR" altLang="en-US" smtClean="0"/>
+              <a:t>7</a:t>
+            </a:fld>
+            <a:endParaRPr lang="ko-KR" altLang="en-US"/>
+          </a:p>
+        </p:txBody>
+      </p:sp>
+    </p:spTree>
+    <p:extLst>
+      <p:ext uri="{BB962C8B-B14F-4D97-AF65-F5344CB8AC3E}">
+        <p14:creationId xmlns:p14="http://schemas.microsoft.com/office/powerpoint/2010/main" val="854399840"/>
+      </p:ext>
+    </p:extLst>
+  </p:cSld>
+  <p:clrMapOvr>
+    <a:masterClrMapping/>
+  </p:clrMapOvr>
+</p:notes>
+</file>
+
+<file path=ppt/notesSlides/notesSlide8.xml><?xml version="1.0" encoding="utf-8"?>
+<p:notes xmlns:a="http://schemas.openxmlformats.org/drawingml/2006/main" xmlns:r="http://schemas.openxmlformats.org/officeDocument/2006/relationships" xmlns:p="http://schemas.openxmlformats.org/presentationml/2006/main">
+  <p:cSld>
+    <p:spTree>
+      <p:nvGrpSpPr>
+        <p:cNvPr id="1" name=""/>
+        <p:cNvGrpSpPr/>
+        <p:nvPr/>
+      </p:nvGrpSpPr>
+      <p:grpSpPr>
+        <a:xfrm>
+          <a:off x="0" y="0"/>
+          <a:ext cx="0" cy="0"/>
+          <a:chOff x="0" y="0"/>
+          <a:chExt cx="0" cy="0"/>
+        </a:xfrm>
+      </p:grpSpPr>
+      <p:sp>
+        <p:nvSpPr>
+          <p:cNvPr id="2" name="슬라이드 이미지 개체 틀 1"/>
+          <p:cNvSpPr>
+            <a:spLocks noGrp="1" noRot="1" noChangeAspect="1"/>
+          </p:cNvSpPr>
+          <p:nvPr>
+            <p:ph type="sldImg"/>
+          </p:nvPr>
+        </p:nvSpPr>
+        <p:spPr/>
+      </p:sp>
+      <p:sp>
+        <p:nvSpPr>
+          <p:cNvPr id="3" name="슬라이드 노트 개체 틀 2"/>
+          <p:cNvSpPr>
+            <a:spLocks noGrp="1"/>
+          </p:cNvSpPr>
+          <p:nvPr>
+            <p:ph type="body" idx="1"/>
+          </p:nvPr>
+        </p:nvSpPr>
+        <p:spPr/>
+        <p:txBody>
+          <a:bodyPr/>
+          <a:lstStyle/>
+          <a:p>
+            <a:pPr marL="0" marR="0" indent="0" algn="l" defTabSz="914400" rtl="0" eaLnBrk="1" fontAlgn="auto" latinLnBrk="1" hangingPunct="1">
+              <a:lnSpc>
+                <a:spcPct val="100000"/>
+              </a:lnSpc>
+              <a:spcBef>
+                <a:spcPts val="0"/>
+              </a:spcBef>
+              <a:spcAft>
+                <a:spcPts val="0"/>
+              </a:spcAft>
+              <a:buClrTx/>
+              <a:buSzTx/>
+              <a:buFontTx/>
+              <a:buNone/>
+              <a:tabLst/>
+              <a:defRPr/>
+            </a:pPr>
+            <a:r>
+              <a:rPr lang="en-US" altLang="ko-KR" sz="1200" kern="1200" dirty="0" smtClean="0">
+                <a:solidFill>
+                  <a:schemeClr val="tx1"/>
+                </a:solidFill>
+                <a:effectLst/>
+                <a:latin typeface="+mn-lt"/>
+                <a:ea typeface="+mn-ea"/>
+                <a:cs typeface="+mn-cs"/>
+              </a:rPr>
+              <a:t>I should learn about android OS’s minutely structure, and (I should learn) 3d rendering at least I deal </a:t>
+            </a:r>
+            <a:r>
+              <a:rPr lang="en-US" altLang="ko-KR" sz="1200" kern="1200" dirty="0" err="1" smtClean="0">
+                <a:solidFill>
+                  <a:schemeClr val="tx1"/>
+                </a:solidFill>
+                <a:effectLst/>
+                <a:latin typeface="+mn-lt"/>
+                <a:ea typeface="+mn-ea"/>
+                <a:cs typeface="+mn-cs"/>
+              </a:rPr>
+              <a:t>opengl</a:t>
+            </a:r>
+            <a:r>
+              <a:rPr lang="en-US" altLang="ko-KR" sz="1200" kern="1200" dirty="0" smtClean="0">
+                <a:solidFill>
+                  <a:schemeClr val="tx1"/>
+                </a:solidFill>
+                <a:effectLst/>
+                <a:latin typeface="+mn-lt"/>
+                <a:ea typeface="+mn-ea"/>
+                <a:cs typeface="+mn-cs"/>
+              </a:rPr>
+              <a:t> like a piece of cake. (simply </a:t>
+            </a:r>
+            <a:r>
+              <a:rPr lang="en-US" altLang="ko-KR" sz="1200" kern="1200" dirty="0" err="1" smtClean="0">
+                <a:solidFill>
+                  <a:schemeClr val="tx1"/>
+                </a:solidFill>
+                <a:effectLst/>
+                <a:latin typeface="+mn-lt"/>
+                <a:ea typeface="+mn-ea"/>
+                <a:cs typeface="+mn-cs"/>
+              </a:rPr>
+              <a:t>i</a:t>
+            </a:r>
+            <a:r>
+              <a:rPr lang="en-US" altLang="ko-KR" sz="1200" kern="1200" dirty="0" smtClean="0">
+                <a:solidFill>
+                  <a:schemeClr val="tx1"/>
+                </a:solidFill>
+                <a:effectLst/>
+                <a:latin typeface="+mn-lt"/>
+                <a:ea typeface="+mn-ea"/>
+                <a:cs typeface="+mn-cs"/>
+              </a:rPr>
+              <a:t> screwed up)</a:t>
+            </a:r>
+          </a:p>
+          <a:p>
+            <a:endParaRPr lang="ko-KR" altLang="en-US" dirty="0"/>
+          </a:p>
+        </p:txBody>
+      </p:sp>
+      <p:sp>
+        <p:nvSpPr>
+          <p:cNvPr id="4" name="슬라이드 번호 개체 틀 3"/>
+          <p:cNvSpPr>
+            <a:spLocks noGrp="1"/>
+          </p:cNvSpPr>
+          <p:nvPr>
+            <p:ph type="sldNum" sz="quarter" idx="10"/>
+          </p:nvPr>
+        </p:nvSpPr>
+        <p:spPr/>
+        <p:txBody>
+          <a:bodyPr/>
+          <a:lstStyle/>
+          <a:p>
+            <a:fld id="{F6DF8C72-BA44-47CE-A93B-2593D5A8EC4E}" type="slidenum">
+              <a:rPr lang="ko-KR" altLang="en-US" smtClean="0"/>
+              <a:t>8</a:t>
+            </a:fld>
+            <a:endParaRPr lang="ko-KR" altLang="en-US"/>
+          </a:p>
+        </p:txBody>
+      </p:sp>
+    </p:spTree>
+    <p:extLst>
+      <p:ext uri="{BB962C8B-B14F-4D97-AF65-F5344CB8AC3E}">
+        <p14:creationId xmlns:p14="http://schemas.microsoft.com/office/powerpoint/2010/main" val="4062709197"/>
+      </p:ext>
+    </p:extLst>
+  </p:cSld>
+  <p:clrMapOvr>
+    <a:masterClrMapping/>
+  </p:clrMapOvr>
+</p:notes>
+</file>
+
+<file path=ppt/notesSlides/notesSlide9.xml><?xml version="1.0" encoding="utf-8"?>
+<p:notes xmlns:a="http://schemas.openxmlformats.org/drawingml/2006/main" xmlns:r="http://schemas.openxmlformats.org/officeDocument/2006/relationships" xmlns:p="http://schemas.openxmlformats.org/presentationml/2006/main">
+  <p:cSld>
+    <p:spTree>
+      <p:nvGrpSpPr>
+        <p:cNvPr id="1" name=""/>
+        <p:cNvGrpSpPr/>
+        <p:nvPr/>
+      </p:nvGrpSpPr>
+      <p:grpSpPr>
+        <a:xfrm>
+          <a:off x="0" y="0"/>
+          <a:ext cx="0" cy="0"/>
+          <a:chOff x="0" y="0"/>
+          <a:chExt cx="0" cy="0"/>
+        </a:xfrm>
+      </p:grpSpPr>
+      <p:sp>
+        <p:nvSpPr>
+          <p:cNvPr id="2" name="슬라이드 이미지 개체 틀 1"/>
+          <p:cNvSpPr>
+            <a:spLocks noGrp="1" noRot="1" noChangeAspect="1"/>
+          </p:cNvSpPr>
+          <p:nvPr>
+            <p:ph type="sldImg"/>
+          </p:nvPr>
+        </p:nvSpPr>
+        <p:spPr/>
+      </p:sp>
+      <p:sp>
+        <p:nvSpPr>
+          <p:cNvPr id="3" name="슬라이드 노트 개체 틀 2"/>
+          <p:cNvSpPr>
+            <a:spLocks noGrp="1"/>
+          </p:cNvSpPr>
+          <p:nvPr>
+            <p:ph type="body" idx="1"/>
+          </p:nvPr>
+        </p:nvSpPr>
+        <p:spPr/>
+        <p:txBody>
+          <a:bodyPr/>
+          <a:lstStyle/>
+          <a:p>
+            <a:pPr marL="0" marR="0" indent="0" algn="l" defTabSz="914400" rtl="0" eaLnBrk="1" fontAlgn="auto" latinLnBrk="1" hangingPunct="1">
+              <a:lnSpc>
+                <a:spcPct val="100000"/>
+              </a:lnSpc>
+              <a:spcBef>
+                <a:spcPts val="0"/>
+              </a:spcBef>
+              <a:spcAft>
+                <a:spcPts val="0"/>
+              </a:spcAft>
+              <a:buClrTx/>
+              <a:buSzTx/>
+              <a:buFontTx/>
+              <a:buNone/>
+              <a:tabLst/>
+              <a:defRPr/>
+            </a:pPr>
+            <a:r>
+              <a:rPr lang="en-US" altLang="ko-KR" sz="1200" kern="1200" dirty="0" smtClean="0">
+                <a:solidFill>
+                  <a:schemeClr val="tx1"/>
+                </a:solidFill>
+                <a:effectLst/>
+                <a:latin typeface="+mn-lt"/>
+                <a:ea typeface="+mn-ea"/>
+                <a:cs typeface="+mn-cs"/>
+              </a:rPr>
+              <a:t>then I will make something can call “Game Engine”. In fact, close to a wish list.</a:t>
+            </a:r>
+          </a:p>
+          <a:p>
+            <a:endParaRPr lang="ko-KR" altLang="en-US" dirty="0"/>
+          </a:p>
+        </p:txBody>
+      </p:sp>
+      <p:sp>
+        <p:nvSpPr>
+          <p:cNvPr id="4" name="슬라이드 번호 개체 틀 3"/>
+          <p:cNvSpPr>
+            <a:spLocks noGrp="1"/>
+          </p:cNvSpPr>
+          <p:nvPr>
+            <p:ph type="sldNum" sz="quarter" idx="10"/>
+          </p:nvPr>
+        </p:nvSpPr>
+        <p:spPr/>
+        <p:txBody>
+          <a:bodyPr/>
+          <a:lstStyle/>
+          <a:p>
+            <a:fld id="{F6DF8C72-BA44-47CE-A93B-2593D5A8EC4E}" type="slidenum">
+              <a:rPr lang="ko-KR" altLang="en-US" smtClean="0"/>
+              <a:t>9</a:t>
+            </a:fld>
+            <a:endParaRPr lang="ko-KR" altLang="en-US"/>
+          </a:p>
+        </p:txBody>
+      </p:sp>
+    </p:spTree>
+    <p:extLst>
+      <p:ext uri="{BB962C8B-B14F-4D97-AF65-F5344CB8AC3E}">
+        <p14:creationId xmlns:p14="http://schemas.microsoft.com/office/powerpoint/2010/main" val="1290797686"/>
+      </p:ext>
+    </p:extLst>
+  </p:cSld>
+  <p:clrMapOvr>
+    <a:masterClrMapping/>
+  </p:clrMapOvr>
+</p:notes>
 </file>
 
 <file path=ppt/slideLayouts/slideLayout1.xml><?xml version="1.0" encoding="utf-8"?>
@@ -356,7 +2244,7 @@
           <a:p>
             <a:fld id="{F8ECD386-E38C-4984-8D28-DC6A55C8C54B}" type="datetimeFigureOut">
               <a:rPr lang="ko-KR" altLang="en-US" smtClean="0"/>
-              <a:t>2016-08-22</a:t>
+              <a:t>2016-08-23</a:t>
             </a:fld>
             <a:endParaRPr lang="ko-KR" altLang="en-US"/>
           </a:p>
@@ -533,7 +2421,7 @@
           <a:p>
             <a:fld id="{F8ECD386-E38C-4984-8D28-DC6A55C8C54B}" type="datetimeFigureOut">
               <a:rPr lang="ko-KR" altLang="en-US" smtClean="0"/>
-              <a:t>2016-08-22</a:t>
+              <a:t>2016-08-23</a:t>
             </a:fld>
             <a:endParaRPr lang="ko-KR" altLang="en-US"/>
           </a:p>
@@ -713,7 +2601,7 @@
           <a:p>
             <a:fld id="{F8ECD386-E38C-4984-8D28-DC6A55C8C54B}" type="datetimeFigureOut">
               <a:rPr lang="ko-KR" altLang="en-US" smtClean="0"/>
-              <a:t>2016-08-22</a:t>
+              <a:t>2016-08-23</a:t>
             </a:fld>
             <a:endParaRPr lang="ko-KR" altLang="en-US"/>
           </a:p>
@@ -1020,7 +2908,7 @@
           <a:p>
             <a:fld id="{F8ECD386-E38C-4984-8D28-DC6A55C8C54B}" type="datetimeFigureOut">
               <a:rPr lang="ko-KR" altLang="en-US" smtClean="0"/>
-              <a:t>2016-08-22</a:t>
+              <a:t>2016-08-23</a:t>
             </a:fld>
             <a:endParaRPr lang="ko-KR" altLang="en-US"/>
           </a:p>
@@ -1273,7 +3161,7 @@
           <a:p>
             <a:fld id="{F8ECD386-E38C-4984-8D28-DC6A55C8C54B}" type="datetimeFigureOut">
               <a:rPr lang="ko-KR" altLang="en-US" smtClean="0"/>
-              <a:t>2016-08-22</a:t>
+              <a:t>2016-08-23</a:t>
             </a:fld>
             <a:endParaRPr lang="ko-KR" altLang="en-US"/>
           </a:p>
@@ -1505,7 +3393,7 @@
           <a:p>
             <a:fld id="{F8ECD386-E38C-4984-8D28-DC6A55C8C54B}" type="datetimeFigureOut">
               <a:rPr lang="ko-KR" altLang="en-US" smtClean="0"/>
-              <a:t>2016-08-22</a:t>
+              <a:t>2016-08-23</a:t>
             </a:fld>
             <a:endParaRPr lang="ko-KR" altLang="en-US"/>
           </a:p>
@@ -1872,7 +3760,7 @@
           <a:p>
             <a:fld id="{F8ECD386-E38C-4984-8D28-DC6A55C8C54B}" type="datetimeFigureOut">
               <a:rPr lang="ko-KR" altLang="en-US" smtClean="0"/>
-              <a:t>2016-08-22</a:t>
+              <a:t>2016-08-23</a:t>
             </a:fld>
             <a:endParaRPr lang="ko-KR" altLang="en-US"/>
           </a:p>
@@ -1990,7 +3878,7 @@
           <a:p>
             <a:fld id="{F8ECD386-E38C-4984-8D28-DC6A55C8C54B}" type="datetimeFigureOut">
               <a:rPr lang="ko-KR" altLang="en-US" smtClean="0"/>
-              <a:t>2016-08-22</a:t>
+              <a:t>2016-08-23</a:t>
             </a:fld>
             <a:endParaRPr lang="ko-KR" altLang="en-US"/>
           </a:p>
@@ -2085,7 +3973,7 @@
           <a:p>
             <a:fld id="{F8ECD386-E38C-4984-8D28-DC6A55C8C54B}" type="datetimeFigureOut">
               <a:rPr lang="ko-KR" altLang="en-US" smtClean="0"/>
-              <a:t>2016-08-22</a:t>
+              <a:t>2016-08-23</a:t>
             </a:fld>
             <a:endParaRPr lang="ko-KR" altLang="en-US"/>
           </a:p>
@@ -2362,7 +4250,7 @@
           <a:p>
             <a:fld id="{F8ECD386-E38C-4984-8D28-DC6A55C8C54B}" type="datetimeFigureOut">
               <a:rPr lang="ko-KR" altLang="en-US" smtClean="0"/>
-              <a:t>2016-08-22</a:t>
+              <a:t>2016-08-23</a:t>
             </a:fld>
             <a:endParaRPr lang="ko-KR" altLang="en-US"/>
           </a:p>
@@ -2615,7 +4503,7 @@
           <a:p>
             <a:fld id="{F8ECD386-E38C-4984-8D28-DC6A55C8C54B}" type="datetimeFigureOut">
               <a:rPr lang="ko-KR" altLang="en-US" smtClean="0"/>
-              <a:t>2016-08-22</a:t>
+              <a:t>2016-08-23</a:t>
             </a:fld>
             <a:endParaRPr lang="ko-KR" altLang="en-US"/>
           </a:p>
@@ -2828,7 +4716,7 @@
           <a:p>
             <a:fld id="{F8ECD386-E38C-4984-8D28-DC6A55C8C54B}" type="datetimeFigureOut">
               <a:rPr lang="ko-KR" altLang="en-US" smtClean="0"/>
-              <a:t>2016-08-22</a:t>
+              <a:t>2016-08-23</a:t>
             </a:fld>
             <a:endParaRPr lang="ko-KR" altLang="en-US"/>
           </a:p>
@@ -3346,7 +5234,7 @@
           <p:nvPr/>
         </p:nvPicPr>
         <p:blipFill>
-          <a:blip r:embed="rId2">
+          <a:blip r:embed="rId3">
             <a:extLst>
               <a:ext uri="{28A0092B-C50C-407E-A947-70E740481C1C}">
                 <a14:useLocalDpi xmlns:a14="http://schemas.microsoft.com/office/drawing/2010/main" val="0"/>
@@ -3762,7 +5650,7 @@
           <p:nvPr/>
         </p:nvPicPr>
         <p:blipFill>
-          <a:blip r:embed="rId2">
+          <a:blip r:embed="rId3">
             <a:extLst>
               <a:ext uri="{28A0092B-C50C-407E-A947-70E740481C1C}">
                 <a14:useLocalDpi xmlns:a14="http://schemas.microsoft.com/office/drawing/2010/main" val="0"/>
@@ -4092,7 +5980,7 @@
           <p:nvPr/>
         </p:nvPicPr>
         <p:blipFill>
-          <a:blip r:embed="rId2"/>
+          <a:blip r:embed="rId3"/>
           <a:stretch>
             <a:fillRect/>
           </a:stretch>
@@ -4184,7 +6072,7 @@
           <p:nvPr/>
         </p:nvPicPr>
         <p:blipFill>
-          <a:blip r:embed="rId2"/>
+          <a:blip r:embed="rId3"/>
           <a:stretch>
             <a:fillRect/>
           </a:stretch>
@@ -4286,7 +6174,7 @@
           <a:p>
             <a:r>
               <a:rPr lang="en-US" altLang="ko-KR" dirty="0" smtClean="0">
-                <a:hlinkClick r:id="rId2"/>
+                <a:hlinkClick r:id="rId3"/>
               </a:rPr>
               <a:t>https://namu.wiki/w/OpenGL</a:t>
             </a:r>
@@ -4310,7 +6198,7 @@
           <p:nvPr/>
         </p:nvPicPr>
         <p:blipFill>
-          <a:blip r:embed="rId3"/>
+          <a:blip r:embed="rId4"/>
           <a:stretch>
             <a:fillRect/>
           </a:stretch>
@@ -4508,7 +6396,7 @@
           <p:nvPr/>
         </p:nvPicPr>
         <p:blipFill>
-          <a:blip r:embed="rId2">
+          <a:blip r:embed="rId3">
             <a:extLst>
               <a:ext uri="{28A0092B-C50C-407E-A947-70E740481C1C}">
                 <a14:useLocalDpi xmlns:a14="http://schemas.microsoft.com/office/drawing/2010/main" val="0"/>
@@ -4605,7 +6493,7 @@
           <p:nvPr/>
         </p:nvPicPr>
         <p:blipFill>
-          <a:blip r:embed="rId2">
+          <a:blip r:embed="rId3">
             <a:extLst>
               <a:ext uri="{28A0092B-C50C-407E-A947-70E740481C1C}">
                 <a14:useLocalDpi xmlns:a14="http://schemas.microsoft.com/office/drawing/2010/main" val="0"/>
@@ -4646,7 +6534,7 @@
           <p:nvPr/>
         </p:nvPicPr>
         <p:blipFill>
-          <a:blip r:embed="rId3">
+          <a:blip r:embed="rId4">
             <a:extLst>
               <a:ext uri="{28A0092B-C50C-407E-A947-70E740481C1C}">
                 <a14:useLocalDpi xmlns:a14="http://schemas.microsoft.com/office/drawing/2010/main" val="0"/>
@@ -5025,4 +6913,265 @@
     </a:ext>
   </a:extLst>
 </a:theme>
+</file>
+
+<file path=ppt/theme/theme2.xml><?xml version="1.0" encoding="utf-8"?>
+<a:theme xmlns:a="http://schemas.openxmlformats.org/drawingml/2006/main" name="Office 테마">
+  <a:themeElements>
+    <a:clrScheme name="Office">
+      <a:dk1>
+        <a:sysClr val="windowText" lastClr="000000"/>
+      </a:dk1>
+      <a:lt1>
+        <a:sysClr val="window" lastClr="FFFFFF"/>
+      </a:lt1>
+      <a:dk2>
+        <a:srgbClr val="44546A"/>
+      </a:dk2>
+      <a:lt2>
+        <a:srgbClr val="E7E6E6"/>
+      </a:lt2>
+      <a:accent1>
+        <a:srgbClr val="5B9BD5"/>
+      </a:accent1>
+      <a:accent2>
+        <a:srgbClr val="ED7D31"/>
+      </a:accent2>
+      <a:accent3>
+        <a:srgbClr val="A5A5A5"/>
+      </a:accent3>
+      <a:accent4>
+        <a:srgbClr val="FFC000"/>
+      </a:accent4>
+      <a:accent5>
+        <a:srgbClr val="4472C4"/>
+      </a:accent5>
+      <a:accent6>
+        <a:srgbClr val="70AD47"/>
+      </a:accent6>
+      <a:hlink>
+        <a:srgbClr val="0563C1"/>
+      </a:hlink>
+      <a:folHlink>
+        <a:srgbClr val="954F72"/>
+      </a:folHlink>
+    </a:clrScheme>
+    <a:fontScheme name="Office">
+      <a:majorFont>
+        <a:latin typeface="맑은 고딕" panose="020F0302020204030204"/>
+        <a:ea typeface=""/>
+        <a:cs typeface=""/>
+        <a:font script="Jpan" typeface="ＭＳ Ｐゴシック"/>
+        <a:font script="Hang" typeface="맑은 고딕"/>
+        <a:font script="Hans" typeface="宋体"/>
+        <a:font script="Hant" typeface="新細明體"/>
+        <a:font script="Arab" typeface="Times New Roman"/>
+        <a:font script="Hebr" typeface="Times New Roman"/>
+        <a:font script="Thai" typeface="Angsana New"/>
+        <a:font script="Ethi" typeface="Nyala"/>
+        <a:font script="Beng" typeface="Vrinda"/>
+        <a:font script="Gujr" typeface="Shruti"/>
+        <a:font script="Khmr" typeface="MoolBoran"/>
+        <a:font script="Knda" typeface="Tunga"/>
+        <a:font script="Guru" typeface="Raavi"/>
+        <a:font script="Cans" typeface="Euphemia"/>
+        <a:font script="Cher" typeface="Plantagenet Cherokee"/>
+        <a:font script="Yiii" typeface="Microsoft Yi Baiti"/>
+        <a:font script="Tibt" typeface="Microsoft Himalaya"/>
+        <a:font script="Thaa" typeface="MV Boli"/>
+        <a:font script="Deva" typeface="Mangal"/>
+        <a:font script="Telu" typeface="Gautami"/>
+        <a:font script="Taml" typeface="Latha"/>
+        <a:font script="Syrc" typeface="Estrangelo Edessa"/>
+        <a:font script="Orya" typeface="Kalinga"/>
+        <a:font script="Mlym" typeface="Kartika"/>
+        <a:font script="Laoo" typeface="DokChampa"/>
+        <a:font script="Sinh" typeface="Iskoola Pota"/>
+        <a:font script="Mong" typeface="Mongolian Baiti"/>
+        <a:font script="Viet" typeface="Times New Roman"/>
+        <a:font script="Uigh" typeface="Microsoft Uighur"/>
+        <a:font script="Geor" typeface="Sylfaen"/>
+      </a:majorFont>
+      <a:minorFont>
+        <a:latin typeface="맑은 고딕" panose="020F0502020204030204"/>
+        <a:ea typeface=""/>
+        <a:cs typeface=""/>
+        <a:font script="Jpan" typeface="ＭＳ Ｐゴシック"/>
+        <a:font script="Hang" typeface="맑은 고딕"/>
+        <a:font script="Hans" typeface="宋体"/>
+        <a:font script="Hant" typeface="新細明體"/>
+        <a:font script="Arab" typeface="Arial"/>
+        <a:font script="Hebr" typeface="Arial"/>
+        <a:font script="Thai" typeface="Cordia New"/>
+        <a:font script="Ethi" typeface="Nyala"/>
+        <a:font script="Beng" typeface="Vrinda"/>
+        <a:font script="Gujr" typeface="Shruti"/>
+        <a:font script="Khmr" typeface="DaunPenh"/>
+        <a:font script="Knda" typeface="Tunga"/>
+        <a:font script="Guru" typeface="Raavi"/>
+        <a:font script="Cans" typeface="Euphemia"/>
+        <a:font script="Cher" typeface="Plantagenet Cherokee"/>
+        <a:font script="Yiii" typeface="Microsoft Yi Baiti"/>
+        <a:font script="Tibt" typeface="Microsoft Himalaya"/>
+        <a:font script="Thaa" typeface="MV Boli"/>
+        <a:font script="Deva" typeface="Mangal"/>
+        <a:font script="Telu" typeface="Gautami"/>
+        <a:font script="Taml" typeface="Latha"/>
+        <a:font script="Syrc" typeface="Estrangelo Edessa"/>
+        <a:font script="Orya" typeface="Kalinga"/>
+        <a:font script="Mlym" typeface="Kartika"/>
+        <a:font script="Laoo" typeface="DokChampa"/>
+        <a:font script="Sinh" typeface="Iskoola Pota"/>
+        <a:font script="Mong" typeface="Mongolian Baiti"/>
+        <a:font script="Viet" typeface="Arial"/>
+        <a:font script="Uigh" typeface="Microsoft Uighur"/>
+        <a:font script="Geor" typeface="Sylfaen"/>
+      </a:minorFont>
+    </a:fontScheme>
+    <a:fmtScheme name="Office">
+      <a:fillStyleLst>
+        <a:solidFill>
+          <a:schemeClr val="phClr"/>
+        </a:solidFill>
+        <a:gradFill rotWithShape="1">
+          <a:gsLst>
+            <a:gs pos="0">
+              <a:schemeClr val="phClr">
+                <a:lumMod val="110000"/>
+                <a:satMod val="105000"/>
+                <a:tint val="67000"/>
+              </a:schemeClr>
+            </a:gs>
+            <a:gs pos="50000">
+              <a:schemeClr val="phClr">
+                <a:lumMod val="105000"/>
+                <a:satMod val="103000"/>
+                <a:tint val="73000"/>
+              </a:schemeClr>
+            </a:gs>
+            <a:gs pos="100000">
+              <a:schemeClr val="phClr">
+                <a:lumMod val="105000"/>
+                <a:satMod val="109000"/>
+                <a:tint val="81000"/>
+              </a:schemeClr>
+            </a:gs>
+          </a:gsLst>
+          <a:lin ang="5400000" scaled="0"/>
+        </a:gradFill>
+        <a:gradFill rotWithShape="1">
+          <a:gsLst>
+            <a:gs pos="0">
+              <a:schemeClr val="phClr">
+                <a:satMod val="103000"/>
+                <a:lumMod val="102000"/>
+                <a:tint val="94000"/>
+              </a:schemeClr>
+            </a:gs>
+            <a:gs pos="50000">
+              <a:schemeClr val="phClr">
+                <a:satMod val="110000"/>
+                <a:lumMod val="100000"/>
+                <a:shade val="100000"/>
+              </a:schemeClr>
+            </a:gs>
+            <a:gs pos="100000">
+              <a:schemeClr val="phClr">
+                <a:lumMod val="99000"/>
+                <a:satMod val="120000"/>
+                <a:shade val="78000"/>
+              </a:schemeClr>
+            </a:gs>
+          </a:gsLst>
+          <a:lin ang="5400000" scaled="0"/>
+        </a:gradFill>
+      </a:fillStyleLst>
+      <a:lnStyleLst>
+        <a:ln w="6350" cap="flat" cmpd="sng" algn="ctr">
+          <a:solidFill>
+            <a:schemeClr val="phClr"/>
+          </a:solidFill>
+          <a:prstDash val="solid"/>
+          <a:miter lim="800000"/>
+        </a:ln>
+        <a:ln w="12700" cap="flat" cmpd="sng" algn="ctr">
+          <a:solidFill>
+            <a:schemeClr val="phClr"/>
+          </a:solidFill>
+          <a:prstDash val="solid"/>
+          <a:miter lim="800000"/>
+        </a:ln>
+        <a:ln w="19050" cap="flat" cmpd="sng" algn="ctr">
+          <a:solidFill>
+            <a:schemeClr val="phClr"/>
+          </a:solidFill>
+          <a:prstDash val="solid"/>
+          <a:miter lim="800000"/>
+        </a:ln>
+      </a:lnStyleLst>
+      <a:effectStyleLst>
+        <a:effectStyle>
+          <a:effectLst/>
+        </a:effectStyle>
+        <a:effectStyle>
+          <a:effectLst/>
+        </a:effectStyle>
+        <a:effectStyle>
+          <a:effectLst>
+            <a:outerShdw blurRad="57150" dist="19050" dir="5400000" algn="ctr" rotWithShape="0">
+              <a:srgbClr val="000000">
+                <a:alpha val="63000"/>
+              </a:srgbClr>
+            </a:outerShdw>
+          </a:effectLst>
+        </a:effectStyle>
+      </a:effectStyleLst>
+      <a:bgFillStyleLst>
+        <a:solidFill>
+          <a:schemeClr val="phClr"/>
+        </a:solidFill>
+        <a:solidFill>
+          <a:schemeClr val="phClr">
+            <a:tint val="95000"/>
+            <a:satMod val="170000"/>
+          </a:schemeClr>
+        </a:solidFill>
+        <a:gradFill rotWithShape="1">
+          <a:gsLst>
+            <a:gs pos="0">
+              <a:schemeClr val="phClr">
+                <a:tint val="93000"/>
+                <a:satMod val="150000"/>
+                <a:shade val="98000"/>
+                <a:lumMod val="102000"/>
+              </a:schemeClr>
+            </a:gs>
+            <a:gs pos="50000">
+              <a:schemeClr val="phClr">
+                <a:tint val="98000"/>
+                <a:satMod val="130000"/>
+                <a:shade val="90000"/>
+                <a:lumMod val="103000"/>
+              </a:schemeClr>
+            </a:gs>
+            <a:gs pos="100000">
+              <a:schemeClr val="phClr">
+                <a:shade val="63000"/>
+                <a:satMod val="120000"/>
+              </a:schemeClr>
+            </a:gs>
+          </a:gsLst>
+          <a:lin ang="5400000" scaled="0"/>
+        </a:gradFill>
+      </a:bgFillStyleLst>
+    </a:fmtScheme>
+  </a:themeElements>
+  <a:objectDefaults/>
+  <a:extraClrSchemeLst/>
+  <a:extLst>
+    <a:ext uri="{05A4C25C-085E-4340-85A3-A5531E510DB2}">
+      <thm15:themeFamily xmlns:thm15="http://schemas.microsoft.com/office/thememl/2012/main" name="Office Theme" id="{62F939B6-93AF-4DB8-9C6B-D6C7DFDC589F}" vid="{4A3C46E8-61CC-4603-A589-7422A47A8E4A}"/>
+    </a:ext>
+  </a:extLst>
+</a:theme>
 </file>